--- a/Introduction TypeScript.pptx
+++ b/Introduction TypeScript.pptx
@@ -5,15 +5,23 @@
     <p:sldMasterId id="2147483683" r:id="rId1"/>
   </p:sldMasterIdLst>
   <p:notesMasterIdLst>
-    <p:notesMasterId r:id="rId5"/>
+    <p:notesMasterId r:id="rId13"/>
   </p:notesMasterIdLst>
   <p:handoutMasterIdLst>
-    <p:handoutMasterId r:id="rId6"/>
+    <p:handoutMasterId r:id="rId14"/>
   </p:handoutMasterIdLst>
   <p:sldIdLst>
     <p:sldId id="256" r:id="rId2"/>
-    <p:sldId id="258" r:id="rId3"/>
-    <p:sldId id="257" r:id="rId4"/>
+    <p:sldId id="259" r:id="rId3"/>
+    <p:sldId id="262" r:id="rId4"/>
+    <p:sldId id="260" r:id="rId5"/>
+    <p:sldId id="261" r:id="rId6"/>
+    <p:sldId id="263" r:id="rId7"/>
+    <p:sldId id="265" r:id="rId8"/>
+    <p:sldId id="266" r:id="rId9"/>
+    <p:sldId id="264" r:id="rId10"/>
+    <p:sldId id="267" r:id="rId11"/>
+    <p:sldId id="257" r:id="rId12"/>
   </p:sldIdLst>
   <p:sldSz cx="12192000" cy="6858000"/>
   <p:notesSz cx="6858000" cy="9144000"/>
@@ -173,7 +181,6 @@
               <a:rPr lang="en-US"/>
               <a:t>1. Introduction TypeScript</a:t>
             </a:r>
-            <a:endParaRPr lang="en-US"/>
           </a:p>
         </p:txBody>
       </p:sp>
@@ -206,7 +213,7 @@
           <a:p>
             <a:fld id="{956191A4-CC6F-432C-A8EC-9267DA370417}" type="datetimeFigureOut">
               <a:rPr lang="en-US" smtClean="0"/>
-              <a:t>9/27/2017</a:t>
+              <a:t>9/28/2017</a:t>
             </a:fld>
             <a:endParaRPr lang="en-US"/>
           </a:p>
@@ -286,7 +293,7 @@
     </p:extLst>
   </p:cSld>
   <p:clrMap bg1="lt1" tx1="dk1" bg2="lt2" tx2="dk2" accent1="accent1" accent2="accent2" accent3="accent3" accent4="accent4" accent5="accent5" accent6="accent6" hlink="hlink" folHlink="folHlink"/>
-  <p:hf sldNum="0" ftr="0" dt="0"/>
+  <p:hf sldNum="0" hdr="0" ftr="0" dt="0"/>
 </p:handoutMaster>
 </file>
 
@@ -343,7 +350,6 @@
               <a:rPr lang="en-US"/>
               <a:t>1. Introduction TypeScript</a:t>
             </a:r>
-            <a:endParaRPr lang="en-US"/>
           </a:p>
         </p:txBody>
       </p:sp>
@@ -376,7 +382,7 @@
           <a:p>
             <a:fld id="{BB4321DD-93DF-4D85-9CD3-1D962580C935}" type="datetimeFigureOut">
               <a:rPr lang="en-US" smtClean="0"/>
-              <a:t>9/27/2017</a:t>
+              <a:t>9/28/2017</a:t>
             </a:fld>
             <a:endParaRPr lang="en-US"/>
           </a:p>
@@ -471,7 +477,6 @@
               <a:rPr lang="en-US"/>
               <a:t>Fifth level</a:t>
             </a:r>
-            <a:endParaRPr lang="en-US"/>
           </a:p>
         </p:txBody>
       </p:sp>
@@ -549,7 +554,7 @@
     </p:extLst>
   </p:cSld>
   <p:clrMap bg1="lt1" tx1="dk1" bg2="lt2" tx2="dk2" accent1="accent1" accent2="accent2" accent3="accent3" accent4="accent4" accent5="accent5" accent6="accent6" hlink="hlink" folHlink="folHlink"/>
-  <p:hf sldNum="0" ftr="0" dt="0"/>
+  <p:hf sldNum="0" hdr="0" ftr="0" dt="0"/>
   <p:notesStyle>
     <a:lvl1pPr marL="0" algn="l" defTabSz="914400" rtl="0" eaLnBrk="1" latinLnBrk="0" hangingPunct="1">
       <a:defRPr sz="1200" kern="1200">
@@ -693,29 +698,6 @@
           </a:p>
         </p:txBody>
       </p:sp>
-      <p:sp>
-        <p:nvSpPr>
-          <p:cNvPr id="4" name="Header Placeholder 3"/>
-          <p:cNvSpPr>
-            <a:spLocks noGrp="1"/>
-          </p:cNvSpPr>
-          <p:nvPr>
-            <p:ph type="hdr" sz="quarter" idx="10"/>
-          </p:nvPr>
-        </p:nvSpPr>
-        <p:spPr/>
-        <p:txBody>
-          <a:bodyPr/>
-          <a:lstStyle/>
-          <a:p>
-            <a:r>
-              <a:rPr lang="en-US"/>
-              <a:t>1. Introduction TypeScript</a:t>
-            </a:r>
-            <a:endParaRPr lang="en-US"/>
-          </a:p>
-        </p:txBody>
-      </p:sp>
     </p:spTree>
     <p:extLst>
       <p:ext uri="{BB962C8B-B14F-4D97-AF65-F5344CB8AC3E}">
@@ -2249,7 +2231,7 @@
               <a:pPr>
                 <a:defRPr/>
               </a:pPr>
-              <a:t>September 27, 2017</a:t>
+              <a:t>September 28, 2017</a:t>
             </a:fld>
             <a:endParaRPr lang="en-US" sz="1000" dirty="0">
               <a:solidFill>
@@ -3505,7 +3487,7 @@
                   <a:spcPts val="0"/>
                 </a:spcBef>
               </a:pPr>
-              <a:t>September 27, 2017</a:t>
+              <a:t>September 28, 2017</a:t>
             </a:fld>
             <a:endParaRPr lang="en-US" sz="800" b="0" dirty="0">
               <a:solidFill>
@@ -5812,7 +5794,7 @@
               <a:pPr>
                 <a:defRPr/>
               </a:pPr>
-              <a:t>September 27, 2017</a:t>
+              <a:t>September 28, 2017</a:t>
             </a:fld>
             <a:endParaRPr lang="en-US" sz="1000" dirty="0"/>
           </a:p>
@@ -7511,7 +7493,7 @@
               <a:pPr algn="l">
                 <a:defRPr/>
               </a:pPr>
-              <a:t>September 27, 2017</a:t>
+              <a:t>September 28, 2017</a:t>
             </a:fld>
             <a:endParaRPr lang="en-US" sz="1000" dirty="0"/>
           </a:p>
@@ -9913,7 +9895,7 @@
                   <a:spcPts val="0"/>
                 </a:spcBef>
               </a:pPr>
-              <a:t>September 27, 2017</a:t>
+              <a:t>September 28, 2017</a:t>
             </a:fld>
             <a:endParaRPr lang="en-US" sz="800" b="0" dirty="0">
               <a:solidFill>
@@ -10574,6 +10556,257 @@
 </p:sld>
 </file>
 
+<file path=ppt/slides/slide10.xml><?xml version="1.0" encoding="utf-8"?>
+<p:sld xmlns:a="http://schemas.openxmlformats.org/drawingml/2006/main" xmlns:r="http://schemas.openxmlformats.org/officeDocument/2006/relationships" xmlns:p="http://schemas.openxmlformats.org/presentationml/2006/main">
+  <p:cSld>
+    <p:spTree>
+      <p:nvGrpSpPr>
+        <p:cNvPr id="1" name=""/>
+        <p:cNvGrpSpPr/>
+        <p:nvPr/>
+      </p:nvGrpSpPr>
+      <p:grpSpPr>
+        <a:xfrm>
+          <a:off x="0" y="0"/>
+          <a:ext cx="0" cy="0"/>
+          <a:chOff x="0" y="0"/>
+          <a:chExt cx="0" cy="0"/>
+        </a:xfrm>
+      </p:grpSpPr>
+      <p:pic>
+        <p:nvPicPr>
+          <p:cNvPr id="5" name="Content Placeholder 4"/>
+          <p:cNvPicPr>
+            <a:picLocks noGrp="1" noChangeAspect="1"/>
+          </p:cNvPicPr>
+          <p:nvPr>
+            <p:ph idx="1"/>
+          </p:nvPr>
+        </p:nvPicPr>
+        <p:blipFill>
+          <a:blip r:embed="rId2">
+            <a:extLst>
+              <a:ext uri="{28A0092B-C50C-407E-A947-70E740481C1C}">
+                <a14:useLocalDpi xmlns:a14="http://schemas.microsoft.com/office/drawing/2010/main" val="0"/>
+              </a:ext>
+            </a:extLst>
+          </a:blip>
+          <a:stretch>
+            <a:fillRect/>
+          </a:stretch>
+        </p:blipFill>
+        <p:spPr>
+          <a:xfrm>
+            <a:off x="2068610" y="1150939"/>
+            <a:ext cx="7541010" cy="4614780"/>
+          </a:xfrm>
+        </p:spPr>
+      </p:pic>
+      <p:sp>
+        <p:nvSpPr>
+          <p:cNvPr id="3" name="Title 2"/>
+          <p:cNvSpPr>
+            <a:spLocks noGrp="1"/>
+          </p:cNvSpPr>
+          <p:nvPr>
+            <p:ph type="title"/>
+          </p:nvPr>
+        </p:nvSpPr>
+        <p:spPr>
+          <a:xfrm>
+            <a:off x="609600" y="685800"/>
+            <a:ext cx="10972800" cy="465083"/>
+          </a:xfrm>
+        </p:spPr>
+        <p:txBody>
+          <a:bodyPr/>
+          <a:lstStyle/>
+          <a:p>
+            <a:r>
+              <a:rPr lang="en-US" dirty="0"/>
+              <a:t>1.2 ECMAScript</a:t>
+            </a:r>
+            <a:endParaRPr lang="en-US" dirty="0"/>
+          </a:p>
+        </p:txBody>
+      </p:sp>
+      <p:sp>
+        <p:nvSpPr>
+          <p:cNvPr id="7" name="TextBox 6"/>
+          <p:cNvSpPr txBox="1"/>
+          <p:nvPr/>
+        </p:nvSpPr>
+        <p:spPr>
+          <a:xfrm>
+            <a:off x="3893770" y="5765719"/>
+            <a:ext cx="4086376" cy="307777"/>
+          </a:xfrm>
+          <a:prstGeom prst="rect">
+            <a:avLst/>
+          </a:prstGeom>
+          <a:noFill/>
+        </p:spPr>
+        <p:txBody>
+          <a:bodyPr wrap="none" rtlCol="0">
+            <a:spAutoFit/>
+          </a:bodyPr>
+          <a:lstStyle/>
+          <a:p>
+            <a:pPr algn="ctr"/>
+            <a:r>
+              <a:rPr lang="en-US" sz="1400" dirty="0"/>
+              <a:t>Figure 4 – </a:t>
+            </a:r>
+            <a:r>
+              <a:rPr lang="en-US" sz="1400" dirty="0"/>
+              <a:t>ECMAScript Browser Implementations</a:t>
+            </a:r>
+            <a:endParaRPr lang="en-US" sz="1400" dirty="0"/>
+          </a:p>
+        </p:txBody>
+      </p:sp>
+    </p:spTree>
+    <p:extLst>
+      <p:ext uri="{BB962C8B-B14F-4D97-AF65-F5344CB8AC3E}">
+        <p14:creationId xmlns:p14="http://schemas.microsoft.com/office/powerpoint/2010/main" val="1771213513"/>
+      </p:ext>
+    </p:extLst>
+  </p:cSld>
+  <p:clrMapOvr>
+    <a:masterClrMapping/>
+  </p:clrMapOvr>
+  <mc:AlternateContent xmlns:mc="http://schemas.openxmlformats.org/markup-compatibility/2006" xmlns:p14="http://schemas.microsoft.com/office/powerpoint/2010/main">
+    <mc:Choice Requires="p14">
+      <p:transition spd="med" p14:dur="700">
+        <p:fade/>
+      </p:transition>
+    </mc:Choice>
+    <mc:Fallback xmlns="">
+      <p:transition spd="med">
+        <p:fade/>
+      </p:transition>
+    </mc:Fallback>
+  </mc:AlternateContent>
+</p:sld>
+</file>
+
+<file path=ppt/slides/slide11.xml><?xml version="1.0" encoding="utf-8"?>
+<p:sld xmlns:a="http://schemas.openxmlformats.org/drawingml/2006/main" xmlns:r="http://schemas.openxmlformats.org/officeDocument/2006/relationships" xmlns:p="http://schemas.openxmlformats.org/presentationml/2006/main">
+  <p:cSld>
+    <p:spTree>
+      <p:nvGrpSpPr>
+        <p:cNvPr id="1" name=""/>
+        <p:cNvGrpSpPr/>
+        <p:nvPr/>
+      </p:nvGrpSpPr>
+      <p:grpSpPr>
+        <a:xfrm>
+          <a:off x="0" y="0"/>
+          <a:ext cx="0" cy="0"/>
+          <a:chOff x="0" y="0"/>
+          <a:chExt cx="0" cy="0"/>
+        </a:xfrm>
+      </p:grpSpPr>
+      <p:sp>
+        <p:nvSpPr>
+          <p:cNvPr id="3" name="Content Placeholder 2"/>
+          <p:cNvSpPr>
+            <a:spLocks noGrp="1"/>
+          </p:cNvSpPr>
+          <p:nvPr>
+            <p:ph idx="1"/>
+          </p:nvPr>
+        </p:nvSpPr>
+        <p:spPr/>
+        <p:txBody>
+          <a:bodyPr/>
+          <a:lstStyle/>
+          <a:p>
+            <a:endParaRPr lang="en-US" dirty="0"/>
+          </a:p>
+        </p:txBody>
+      </p:sp>
+      <p:sp>
+        <p:nvSpPr>
+          <p:cNvPr id="2" name="Title 1"/>
+          <p:cNvSpPr>
+            <a:spLocks noGrp="1"/>
+          </p:cNvSpPr>
+          <p:nvPr>
+            <p:ph type="title"/>
+          </p:nvPr>
+        </p:nvSpPr>
+        <p:spPr/>
+        <p:txBody>
+          <a:bodyPr/>
+          <a:lstStyle/>
+          <a:p>
+            <a:r>
+              <a:rPr lang="en-US" dirty="0" err="1"/>
+              <a:t>TypeScript</a:t>
+            </a:r>
+            <a:r>
+              <a:rPr lang="en-US" dirty="0"/>
+              <a:t> Version</a:t>
+            </a:r>
+          </a:p>
+        </p:txBody>
+      </p:sp>
+      <p:pic>
+        <p:nvPicPr>
+          <p:cNvPr id="19" name="Picture 18"/>
+          <p:cNvPicPr>
+            <a:picLocks noChangeAspect="1"/>
+          </p:cNvPicPr>
+          <p:nvPr/>
+        </p:nvPicPr>
+        <p:blipFill>
+          <a:blip r:embed="rId3">
+            <a:extLst>
+              <a:ext uri="{28A0092B-C50C-407E-A947-70E740481C1C}">
+                <a14:useLocalDpi xmlns:a14="http://schemas.microsoft.com/office/drawing/2010/main" val="0"/>
+              </a:ext>
+            </a:extLst>
+          </a:blip>
+          <a:stretch>
+            <a:fillRect/>
+          </a:stretch>
+        </p:blipFill>
+        <p:spPr>
+          <a:xfrm>
+            <a:off x="609601" y="1727199"/>
+            <a:ext cx="3581399" cy="4291879"/>
+          </a:xfrm>
+          <a:prstGeom prst="rect">
+            <a:avLst/>
+          </a:prstGeom>
+        </p:spPr>
+      </p:pic>
+    </p:spTree>
+    <p:extLst>
+      <p:ext uri="{BB962C8B-B14F-4D97-AF65-F5344CB8AC3E}">
+        <p14:creationId xmlns:p14="http://schemas.microsoft.com/office/powerpoint/2010/main" val="2847313189"/>
+      </p:ext>
+    </p:extLst>
+  </p:cSld>
+  <p:clrMapOvr>
+    <a:masterClrMapping/>
+  </p:clrMapOvr>
+  <mc:AlternateContent xmlns:mc="http://schemas.openxmlformats.org/markup-compatibility/2006" xmlns:p14="http://schemas.microsoft.com/office/powerpoint/2010/main">
+    <mc:Choice Requires="p14">
+      <p:transition spd="med" p14:dur="700">
+        <p:fade/>
+      </p:transition>
+    </mc:Choice>
+    <mc:Fallback xmlns="">
+      <p:transition spd="med">
+        <p:fade/>
+      </p:transition>
+    </mc:Fallback>
+  </mc:AlternateContent>
+</p:sld>
+</file>
+
 <file path=ppt/slides/slide2.xml><?xml version="1.0" encoding="utf-8"?>
 <p:sld xmlns:a="http://schemas.openxmlformats.org/drawingml/2006/main" xmlns:r="http://schemas.openxmlformats.org/officeDocument/2006/relationships" xmlns:p="http://schemas.openxmlformats.org/presentationml/2006/main">
   <p:cSld>
@@ -10593,7 +10826,7 @@
       </p:grpSpPr>
       <p:sp>
         <p:nvSpPr>
-          <p:cNvPr id="3" name="Subtitle 2"/>
+          <p:cNvPr id="2" name="Content Placeholder 1"/>
           <p:cNvSpPr>
             <a:spLocks noGrp="1"/>
           </p:cNvSpPr>
@@ -10606,10 +10839,14 @@
           <a:bodyPr/>
           <a:lstStyle/>
           <a:p>
-            <a:pPr marL="342900" indent="-342900">
-              <a:buFont typeface="+mj-lt"/>
-              <a:buAutoNum type="arabicPeriod"/>
-            </a:pPr>
+            <a:pPr marL="342900" indent="-342900"/>
+            <a:r>
+              <a:rPr lang="en-US" dirty="0"/>
+              <a:t>Introduction JavaScript and ECMAScript</a:t>
+            </a:r>
+          </a:p>
+          <a:p>
+            <a:pPr marL="342900" indent="-342900"/>
             <a:r>
               <a:rPr lang="en-US" dirty="0"/>
               <a:t>Introduction </a:t>
@@ -10621,13 +10858,10 @@
             <a:endParaRPr lang="en-US" dirty="0"/>
           </a:p>
           <a:p>
-            <a:pPr marL="342900" indent="-342900">
-              <a:buFont typeface="+mj-lt"/>
-              <a:buAutoNum type="arabicPeriod"/>
-            </a:pPr>
+            <a:pPr marL="342900" indent="-342900"/>
             <a:r>
               <a:rPr lang="en-US" dirty="0"/>
-              <a:t>Getting started with </a:t>
+              <a:t>Get started with </a:t>
             </a:r>
             <a:r>
               <a:rPr lang="en-US" dirty="0" err="1"/>
@@ -10636,10 +10870,7 @@
             <a:endParaRPr lang="en-US" dirty="0"/>
           </a:p>
           <a:p>
-            <a:pPr marL="342900" indent="-342900">
-              <a:buFont typeface="+mj-lt"/>
-              <a:buAutoNum type="arabicPeriod"/>
-            </a:pPr>
+            <a:pPr marL="342900" indent="-342900"/>
             <a:r>
               <a:rPr lang="en-US" dirty="0"/>
               <a:t>What can we do with </a:t>
@@ -10654,10 +10885,7 @@
             </a:r>
           </a:p>
           <a:p>
-            <a:pPr marL="342900" indent="-342900">
-              <a:buFont typeface="+mj-lt"/>
-              <a:buAutoNum type="arabicPeriod"/>
-            </a:pPr>
+            <a:pPr marL="342900" indent="-342900"/>
             <a:r>
               <a:rPr lang="en-US" dirty="0"/>
               <a:t>Demo</a:t>
@@ -10670,7 +10898,7 @@
       </p:sp>
       <p:sp>
         <p:nvSpPr>
-          <p:cNvPr id="2" name="Title 1"/>
+          <p:cNvPr id="3" name="Title 2"/>
           <p:cNvSpPr>
             <a:spLocks noGrp="1"/>
           </p:cNvSpPr>
@@ -10694,7 +10922,7 @@
     </p:spTree>
     <p:extLst>
       <p:ext uri="{BB962C8B-B14F-4D97-AF65-F5344CB8AC3E}">
-        <p14:creationId xmlns:p14="http://schemas.microsoft.com/office/powerpoint/2010/main" val="1817377052"/>
+        <p14:creationId xmlns:p14="http://schemas.microsoft.com/office/powerpoint/2010/main" val="3597725973"/>
       </p:ext>
     </p:extLst>
   </p:cSld>
@@ -10733,47 +10961,18 @@
           <a:chExt cx="0" cy="0"/>
         </a:xfrm>
       </p:grpSpPr>
-      <p:sp>
-        <p:nvSpPr>
-          <p:cNvPr id="2" name="Title 1"/>
-          <p:cNvSpPr>
-            <a:spLocks noGrp="1"/>
-          </p:cNvSpPr>
-          <p:nvPr>
-            <p:ph type="ctrTitle"/>
-          </p:nvPr>
-        </p:nvSpPr>
-        <p:spPr>
-          <a:xfrm>
-            <a:off x="609601" y="685801"/>
-            <a:ext cx="6400800" cy="711200"/>
-          </a:xfrm>
-        </p:spPr>
-        <p:txBody>
-          <a:bodyPr/>
-          <a:lstStyle/>
-          <a:p>
-            <a:r>
-              <a:rPr lang="en-US" dirty="0" err="1"/>
-              <a:t>TypeScript</a:t>
-            </a:r>
-            <a:r>
-              <a:rPr lang="en-US" dirty="0"/>
-              <a:t> Version</a:t>
-            </a:r>
-          </a:p>
-        </p:txBody>
-      </p:sp>
       <p:pic>
         <p:nvPicPr>
-          <p:cNvPr id="19" name="Picture 18"/>
+          <p:cNvPr id="5" name="Content Placeholder 4"/>
           <p:cNvPicPr>
-            <a:picLocks noChangeAspect="1"/>
+            <a:picLocks noGrp="1" noChangeAspect="1"/>
           </p:cNvPicPr>
-          <p:nvPr/>
+          <p:nvPr>
+            <p:ph idx="1"/>
+          </p:nvPr>
         </p:nvPicPr>
         <p:blipFill>
-          <a:blip r:embed="rId3">
+          <a:blip r:embed="rId2">
             <a:extLst>
               <a:ext uri="{28A0092B-C50C-407E-A947-70E740481C1C}">
                 <a14:useLocalDpi xmlns:a14="http://schemas.microsoft.com/office/drawing/2010/main" val="0"/>
@@ -10786,18 +10985,758 @@
         </p:blipFill>
         <p:spPr>
           <a:xfrm>
-            <a:off x="609601" y="1727199"/>
-            <a:ext cx="3581399" cy="4291879"/>
+            <a:off x="1004147" y="254000"/>
+            <a:ext cx="9828105" cy="5003800"/>
+          </a:xfrm>
+        </p:spPr>
+      </p:pic>
+      <p:sp>
+        <p:nvSpPr>
+          <p:cNvPr id="6" name="TextBox 5"/>
+          <p:cNvSpPr txBox="1"/>
+          <p:nvPr/>
+        </p:nvSpPr>
+        <p:spPr>
+          <a:xfrm>
+            <a:off x="4391210" y="5381823"/>
+            <a:ext cx="4387676" cy="307777"/>
           </a:xfrm>
           <a:prstGeom prst="rect">
             <a:avLst/>
           </a:prstGeom>
+          <a:noFill/>
+        </p:spPr>
+        <p:txBody>
+          <a:bodyPr wrap="none" rtlCol="0">
+            <a:spAutoFit/>
+          </a:bodyPr>
+          <a:lstStyle/>
+          <a:p>
+            <a:r>
+              <a:rPr lang="en-US" sz="1400" dirty="0"/>
+              <a:t>Figure 1 -</a:t>
+            </a:r>
+            <a:r>
+              <a:rPr lang="en-US" sz="1400" dirty="0"/>
+              <a:t> The milestone of libs/ frameworks invented</a:t>
+            </a:r>
+            <a:endParaRPr lang="en-US" sz="1400" dirty="0"/>
+          </a:p>
+        </p:txBody>
+      </p:sp>
+    </p:spTree>
+    <p:extLst>
+      <p:ext uri="{BB962C8B-B14F-4D97-AF65-F5344CB8AC3E}">
+        <p14:creationId xmlns:p14="http://schemas.microsoft.com/office/powerpoint/2010/main" val="2990732276"/>
+      </p:ext>
+    </p:extLst>
+  </p:cSld>
+  <p:clrMapOvr>
+    <a:masterClrMapping/>
+  </p:clrMapOvr>
+  <mc:AlternateContent xmlns:mc="http://schemas.openxmlformats.org/markup-compatibility/2006" xmlns:p14="http://schemas.microsoft.com/office/powerpoint/2010/main">
+    <mc:Choice Requires="p14">
+      <p:transition spd="med" p14:dur="700">
+        <p:fade/>
+      </p:transition>
+    </mc:Choice>
+    <mc:Fallback xmlns="">
+      <p:transition spd="med">
+        <p:fade/>
+      </p:transition>
+    </mc:Fallback>
+  </mc:AlternateContent>
+</p:sld>
+</file>
+
+<file path=ppt/slides/slide4.xml><?xml version="1.0" encoding="utf-8"?>
+<p:sld xmlns:a="http://schemas.openxmlformats.org/drawingml/2006/main" xmlns:r="http://schemas.openxmlformats.org/officeDocument/2006/relationships" xmlns:p="http://schemas.openxmlformats.org/presentationml/2006/main">
+  <p:cSld>
+    <p:spTree>
+      <p:nvGrpSpPr>
+        <p:cNvPr id="1" name=""/>
+        <p:cNvGrpSpPr/>
+        <p:nvPr/>
+      </p:nvGrpSpPr>
+      <p:grpSpPr>
+        <a:xfrm>
+          <a:off x="0" y="0"/>
+          <a:ext cx="0" cy="0"/>
+          <a:chOff x="0" y="0"/>
+          <a:chExt cx="0" cy="0"/>
+        </a:xfrm>
+      </p:grpSpPr>
+      <p:sp>
+        <p:nvSpPr>
+          <p:cNvPr id="3" name="Title 2"/>
+          <p:cNvSpPr>
+            <a:spLocks noGrp="1"/>
+          </p:cNvSpPr>
+          <p:nvPr>
+            <p:ph type="ctrTitle"/>
+          </p:nvPr>
+        </p:nvSpPr>
+        <p:spPr>
+          <a:xfrm>
+            <a:off x="609602" y="685800"/>
+            <a:ext cx="10718798" cy="2788285"/>
+          </a:xfrm>
+        </p:spPr>
+        <p:txBody>
+          <a:bodyPr/>
+          <a:lstStyle/>
+          <a:p>
+            <a:r>
+              <a:rPr lang="en-US" dirty="0"/>
+              <a:t>1. Introduction JavaScript and ECMAScript</a:t>
+            </a:r>
+            <a:br>
+              <a:rPr lang="en-US" dirty="0"/>
+            </a:br>
+            <a:endParaRPr lang="en-US" dirty="0"/>
+          </a:p>
+        </p:txBody>
+      </p:sp>
+      <p:sp>
+        <p:nvSpPr>
+          <p:cNvPr id="2" name="Content Placeholder 1"/>
+          <p:cNvSpPr>
+            <a:spLocks noGrp="1"/>
+          </p:cNvSpPr>
+          <p:nvPr>
+            <p:ph type="subTitle" idx="1"/>
+          </p:nvPr>
+        </p:nvSpPr>
+        <p:spPr/>
+        <p:txBody>
+          <a:bodyPr/>
+          <a:lstStyle/>
+          <a:p>
+            <a:endParaRPr lang="en-US" b="0" dirty="0"/>
+          </a:p>
+        </p:txBody>
+      </p:sp>
+    </p:spTree>
+    <p:extLst>
+      <p:ext uri="{BB962C8B-B14F-4D97-AF65-F5344CB8AC3E}">
+        <p14:creationId xmlns:p14="http://schemas.microsoft.com/office/powerpoint/2010/main" val="2425075345"/>
+      </p:ext>
+    </p:extLst>
+  </p:cSld>
+  <p:clrMapOvr>
+    <a:masterClrMapping/>
+  </p:clrMapOvr>
+  <mc:AlternateContent xmlns:mc="http://schemas.openxmlformats.org/markup-compatibility/2006" xmlns:p14="http://schemas.microsoft.com/office/powerpoint/2010/main">
+    <mc:Choice Requires="p14">
+      <p:transition spd="med" p14:dur="700">
+        <p:fade/>
+      </p:transition>
+    </mc:Choice>
+    <mc:Fallback xmlns="">
+      <p:transition spd="med">
+        <p:fade/>
+      </p:transition>
+    </mc:Fallback>
+  </mc:AlternateContent>
+</p:sld>
+</file>
+
+<file path=ppt/slides/slide5.xml><?xml version="1.0" encoding="utf-8"?>
+<p:sld xmlns:a="http://schemas.openxmlformats.org/drawingml/2006/main" xmlns:r="http://schemas.openxmlformats.org/officeDocument/2006/relationships" xmlns:p="http://schemas.openxmlformats.org/presentationml/2006/main">
+  <p:cSld>
+    <p:spTree>
+      <p:nvGrpSpPr>
+        <p:cNvPr id="1" name=""/>
+        <p:cNvGrpSpPr/>
+        <p:nvPr/>
+      </p:nvGrpSpPr>
+      <p:grpSpPr>
+        <a:xfrm>
+          <a:off x="0" y="0"/>
+          <a:ext cx="0" cy="0"/>
+          <a:chOff x="0" y="0"/>
+          <a:chExt cx="0" cy="0"/>
+        </a:xfrm>
+      </p:grpSpPr>
+      <p:sp>
+        <p:nvSpPr>
+          <p:cNvPr id="3" name="Title 2"/>
+          <p:cNvSpPr>
+            <a:spLocks noGrp="1"/>
+          </p:cNvSpPr>
+          <p:nvPr>
+            <p:ph type="title"/>
+          </p:nvPr>
+        </p:nvSpPr>
+        <p:spPr/>
+        <p:txBody>
+          <a:bodyPr>
+            <a:normAutofit/>
+          </a:bodyPr>
+          <a:lstStyle/>
+          <a:p>
+            <a:r>
+              <a:rPr lang="en-US" dirty="0"/>
+              <a:t>1.1 JavaScript </a:t>
+            </a:r>
+            <a:br>
+              <a:rPr lang="en-US" dirty="0"/>
+            </a:br>
+            <a:br>
+              <a:rPr lang="en-US" dirty="0"/>
+            </a:br>
+            <a:endParaRPr lang="en-US" dirty="0"/>
+          </a:p>
+        </p:txBody>
+      </p:sp>
+      <p:sp>
+        <p:nvSpPr>
+          <p:cNvPr id="7" name="Content Placeholder 6"/>
+          <p:cNvSpPr>
+            <a:spLocks noGrp="1"/>
+          </p:cNvSpPr>
+          <p:nvPr>
+            <p:ph idx="1"/>
+          </p:nvPr>
+        </p:nvSpPr>
+        <p:spPr/>
+        <p:txBody>
+          <a:bodyPr/>
+          <a:lstStyle/>
+          <a:p>
+            <a:pPr marL="285750" indent="-285750">
+              <a:buFont typeface="Wingdings" panose="05000000000000000000" pitchFamily="2" charset="2"/>
+              <a:buChar char="v"/>
+            </a:pPr>
+            <a:r>
+              <a:rPr lang="en-US" b="0" dirty="0"/>
+              <a:t>JavaScript is the programming language, which is use to program the behavior of web pages.</a:t>
+            </a:r>
+          </a:p>
+          <a:p>
+            <a:pPr marL="285750" indent="-285750">
+              <a:buFont typeface="Wingdings" panose="05000000000000000000" pitchFamily="2" charset="2"/>
+              <a:buChar char="v"/>
+            </a:pPr>
+            <a:r>
+              <a:rPr lang="en-US" b="0" dirty="0"/>
+              <a:t>JavaScript code can run locally in a user's browser (rather than on a remote server), the browser can respond to user actions quickly, making an application more responsive. Furthermore, JavaScript code can detect user actions that HTML alone cannot, such as individual keystrokes.</a:t>
+            </a:r>
+          </a:p>
+          <a:p>
+            <a:pPr marL="285750" indent="-285750">
+              <a:buFont typeface="Wingdings" panose="05000000000000000000" pitchFamily="2" charset="2"/>
+              <a:buChar char="v"/>
+            </a:pPr>
+            <a:r>
+              <a:rPr lang="en-US" b="0" dirty="0"/>
+              <a:t>To Browser execute JavaScript code, the browser need to by default included JavaScript engine (also known as JavaScript interpreter or JavaScript implementation) is an interpreter that interprets JavaScript source code and executes the script accordingly.</a:t>
+            </a:r>
+          </a:p>
+        </p:txBody>
+      </p:sp>
+    </p:spTree>
+    <p:extLst>
+      <p:ext uri="{BB962C8B-B14F-4D97-AF65-F5344CB8AC3E}">
+        <p14:creationId xmlns:p14="http://schemas.microsoft.com/office/powerpoint/2010/main" val="274255241"/>
+      </p:ext>
+    </p:extLst>
+  </p:cSld>
+  <p:clrMapOvr>
+    <a:masterClrMapping/>
+  </p:clrMapOvr>
+  <mc:AlternateContent xmlns:mc="http://schemas.openxmlformats.org/markup-compatibility/2006" xmlns:p14="http://schemas.microsoft.com/office/powerpoint/2010/main">
+    <mc:Choice Requires="p14">
+      <p:transition spd="med" p14:dur="700">
+        <p:fade/>
+      </p:transition>
+    </mc:Choice>
+    <mc:Fallback xmlns="">
+      <p:transition spd="med">
+        <p:fade/>
+      </p:transition>
+    </mc:Fallback>
+  </mc:AlternateContent>
+</p:sld>
+</file>
+
+<file path=ppt/slides/slide6.xml><?xml version="1.0" encoding="utf-8"?>
+<p:sld xmlns:a="http://schemas.openxmlformats.org/drawingml/2006/main" xmlns:r="http://schemas.openxmlformats.org/officeDocument/2006/relationships" xmlns:p="http://schemas.openxmlformats.org/presentationml/2006/main">
+  <p:cSld>
+    <p:spTree>
+      <p:nvGrpSpPr>
+        <p:cNvPr id="1" name=""/>
+        <p:cNvGrpSpPr/>
+        <p:nvPr/>
+      </p:nvGrpSpPr>
+      <p:grpSpPr>
+        <a:xfrm>
+          <a:off x="0" y="0"/>
+          <a:ext cx="0" cy="0"/>
+          <a:chOff x="0" y="0"/>
+          <a:chExt cx="0" cy="0"/>
+        </a:xfrm>
+      </p:grpSpPr>
+      <p:pic>
+        <p:nvPicPr>
+          <p:cNvPr id="6" name="Content Placeholder 5"/>
+          <p:cNvPicPr>
+            <a:picLocks noGrp="1" noChangeAspect="1"/>
+          </p:cNvPicPr>
+          <p:nvPr>
+            <p:ph idx="1"/>
+          </p:nvPr>
+        </p:nvPicPr>
+        <p:blipFill>
+          <a:blip r:embed="rId2">
+            <a:extLst>
+              <a:ext uri="{28A0092B-C50C-407E-A947-70E740481C1C}">
+                <a14:useLocalDpi xmlns:a14="http://schemas.microsoft.com/office/drawing/2010/main" val="0"/>
+              </a:ext>
+            </a:extLst>
+          </a:blip>
+          <a:stretch>
+            <a:fillRect/>
+          </a:stretch>
+        </p:blipFill>
+        <p:spPr>
+          <a:xfrm>
+            <a:off x="609600" y="1230967"/>
+            <a:ext cx="10972799" cy="4297362"/>
+          </a:xfrm>
+        </p:spPr>
+      </p:pic>
+      <p:sp>
+        <p:nvSpPr>
+          <p:cNvPr id="3" name="Title 2"/>
+          <p:cNvSpPr>
+            <a:spLocks noGrp="1"/>
+          </p:cNvSpPr>
+          <p:nvPr>
+            <p:ph type="title"/>
+          </p:nvPr>
+        </p:nvSpPr>
+        <p:spPr>
+          <a:xfrm>
+            <a:off x="609600" y="685800"/>
+            <a:ext cx="10972800" cy="606972"/>
+          </a:xfrm>
+        </p:spPr>
+        <p:txBody>
+          <a:bodyPr/>
+          <a:lstStyle/>
+          <a:p>
+            <a:r>
+              <a:rPr lang="en-US" dirty="0"/>
+              <a:t>1.1 JavaScript</a:t>
+            </a:r>
+            <a:endParaRPr lang="en-US" dirty="0"/>
+          </a:p>
+        </p:txBody>
+      </p:sp>
+      <p:sp>
+        <p:nvSpPr>
+          <p:cNvPr id="7" name="TextBox 6"/>
+          <p:cNvSpPr txBox="1"/>
+          <p:nvPr/>
+        </p:nvSpPr>
+        <p:spPr>
+          <a:xfrm>
+            <a:off x="4486881" y="5765719"/>
+            <a:ext cx="2900153" cy="307777"/>
+          </a:xfrm>
+          <a:prstGeom prst="rect">
+            <a:avLst/>
+          </a:prstGeom>
+          <a:noFill/>
+        </p:spPr>
+        <p:txBody>
+          <a:bodyPr wrap="none" rtlCol="0">
+            <a:spAutoFit/>
+          </a:bodyPr>
+          <a:lstStyle/>
+          <a:p>
+            <a:pPr algn="ctr"/>
+            <a:r>
+              <a:rPr lang="en-US" sz="1400" dirty="0"/>
+              <a:t>Figure 2 – Release version history</a:t>
+            </a:r>
+          </a:p>
+        </p:txBody>
+      </p:sp>
+    </p:spTree>
+    <p:extLst>
+      <p:ext uri="{BB962C8B-B14F-4D97-AF65-F5344CB8AC3E}">
+        <p14:creationId xmlns:p14="http://schemas.microsoft.com/office/powerpoint/2010/main" val="242365272"/>
+      </p:ext>
+    </p:extLst>
+  </p:cSld>
+  <p:clrMapOvr>
+    <a:masterClrMapping/>
+  </p:clrMapOvr>
+  <mc:AlternateContent xmlns:mc="http://schemas.openxmlformats.org/markup-compatibility/2006" xmlns:p14="http://schemas.microsoft.com/office/powerpoint/2010/main">
+    <mc:Choice Requires="p14">
+      <p:transition spd="med" p14:dur="700">
+        <p:fade/>
+      </p:transition>
+    </mc:Choice>
+    <mc:Fallback xmlns="">
+      <p:transition spd="med">
+        <p:fade/>
+      </p:transition>
+    </mc:Fallback>
+  </mc:AlternateContent>
+</p:sld>
+</file>
+
+<file path=ppt/slides/slide7.xml><?xml version="1.0" encoding="utf-8"?>
+<p:sld xmlns:a="http://schemas.openxmlformats.org/drawingml/2006/main" xmlns:r="http://schemas.openxmlformats.org/officeDocument/2006/relationships" xmlns:p="http://schemas.openxmlformats.org/presentationml/2006/main">
+  <p:cSld>
+    <p:spTree>
+      <p:nvGrpSpPr>
+        <p:cNvPr id="1" name=""/>
+        <p:cNvGrpSpPr/>
+        <p:nvPr/>
+      </p:nvGrpSpPr>
+      <p:grpSpPr>
+        <a:xfrm>
+          <a:off x="0" y="0"/>
+          <a:ext cx="0" cy="0"/>
+          <a:chOff x="0" y="0"/>
+          <a:chExt cx="0" cy="0"/>
+        </a:xfrm>
+      </p:grpSpPr>
+      <p:sp>
+        <p:nvSpPr>
+          <p:cNvPr id="3" name="Title 2"/>
+          <p:cNvSpPr>
+            <a:spLocks noGrp="1"/>
+          </p:cNvSpPr>
+          <p:nvPr>
+            <p:ph type="title"/>
+          </p:nvPr>
+        </p:nvSpPr>
+        <p:spPr/>
+        <p:txBody>
+          <a:bodyPr/>
+          <a:lstStyle/>
+          <a:p>
+            <a:r>
+              <a:rPr lang="en-US" dirty="0"/>
+              <a:t>1.1 JavaScript</a:t>
+            </a:r>
+            <a:endParaRPr lang="en-US" dirty="0"/>
+          </a:p>
+        </p:txBody>
+      </p:sp>
+      <p:sp>
+        <p:nvSpPr>
+          <p:cNvPr id="9" name="TextBox 8"/>
+          <p:cNvSpPr txBox="1"/>
+          <p:nvPr/>
+        </p:nvSpPr>
+        <p:spPr>
+          <a:xfrm>
+            <a:off x="3820046" y="5765719"/>
+            <a:ext cx="4233851" cy="307777"/>
+          </a:xfrm>
+          <a:prstGeom prst="rect">
+            <a:avLst/>
+          </a:prstGeom>
+          <a:noFill/>
+        </p:spPr>
+        <p:txBody>
+          <a:bodyPr wrap="none" rtlCol="0">
+            <a:spAutoFit/>
+          </a:bodyPr>
+          <a:lstStyle/>
+          <a:p>
+            <a:pPr algn="ctr"/>
+            <a:r>
+              <a:rPr lang="en-US" sz="1400" dirty="0"/>
+              <a:t>Figure 3 – Supported </a:t>
+            </a:r>
+            <a:r>
+              <a:rPr lang="en-US" sz="1400" dirty="0"/>
+              <a:t>JavaScript engine in Browser</a:t>
+            </a:r>
+            <a:endParaRPr lang="en-US" sz="1400" dirty="0"/>
+          </a:p>
+        </p:txBody>
+      </p:sp>
+      <p:pic>
+        <p:nvPicPr>
+          <p:cNvPr id="14" name="Content Placeholder 13"/>
+          <p:cNvPicPr>
+            <a:picLocks noGrp="1" noChangeAspect="1"/>
+          </p:cNvPicPr>
+          <p:nvPr>
+            <p:ph idx="1"/>
+          </p:nvPr>
+        </p:nvPicPr>
+        <p:blipFill>
+          <a:blip r:embed="rId2">
+            <a:extLst>
+              <a:ext uri="{28A0092B-C50C-407E-A947-70E740481C1C}">
+                <a14:useLocalDpi xmlns:a14="http://schemas.microsoft.com/office/drawing/2010/main" val="0"/>
+              </a:ext>
+            </a:extLst>
+          </a:blip>
+          <a:stretch>
+            <a:fillRect/>
+          </a:stretch>
+        </p:blipFill>
+        <p:spPr>
+          <a:xfrm>
+            <a:off x="2596255" y="1234440"/>
+            <a:ext cx="6999490" cy="4297362"/>
+          </a:xfrm>
         </p:spPr>
       </p:pic>
     </p:spTree>
     <p:extLst>
       <p:ext uri="{BB962C8B-B14F-4D97-AF65-F5344CB8AC3E}">
-        <p14:creationId xmlns:p14="http://schemas.microsoft.com/office/powerpoint/2010/main" val="2847313189"/>
+        <p14:creationId xmlns:p14="http://schemas.microsoft.com/office/powerpoint/2010/main" val="844439894"/>
+      </p:ext>
+    </p:extLst>
+  </p:cSld>
+  <p:clrMapOvr>
+    <a:masterClrMapping/>
+  </p:clrMapOvr>
+  <mc:AlternateContent xmlns:mc="http://schemas.openxmlformats.org/markup-compatibility/2006" xmlns:p14="http://schemas.microsoft.com/office/powerpoint/2010/main">
+    <mc:Choice Requires="p14">
+      <p:transition spd="med" p14:dur="700">
+        <p:fade/>
+      </p:transition>
+    </mc:Choice>
+    <mc:Fallback xmlns="">
+      <p:transition spd="med">
+        <p:fade/>
+      </p:transition>
+    </mc:Fallback>
+  </mc:AlternateContent>
+</p:sld>
+</file>
+
+<file path=ppt/slides/slide8.xml><?xml version="1.0" encoding="utf-8"?>
+<p:sld xmlns:a="http://schemas.openxmlformats.org/drawingml/2006/main" xmlns:r="http://schemas.openxmlformats.org/officeDocument/2006/relationships" xmlns:p="http://schemas.openxmlformats.org/presentationml/2006/main">
+  <p:cSld>
+    <p:spTree>
+      <p:nvGrpSpPr>
+        <p:cNvPr id="1" name=""/>
+        <p:cNvGrpSpPr/>
+        <p:nvPr/>
+      </p:nvGrpSpPr>
+      <p:grpSpPr>
+        <a:xfrm>
+          <a:off x="0" y="0"/>
+          <a:ext cx="0" cy="0"/>
+          <a:chOff x="0" y="0"/>
+          <a:chExt cx="0" cy="0"/>
+        </a:xfrm>
+      </p:grpSpPr>
+      <p:pic>
+        <p:nvPicPr>
+          <p:cNvPr id="5" name="Content Placeholder 4"/>
+          <p:cNvPicPr>
+            <a:picLocks noGrp="1" noChangeAspect="1"/>
+          </p:cNvPicPr>
+          <p:nvPr>
+            <p:ph idx="1"/>
+          </p:nvPr>
+        </p:nvPicPr>
+        <p:blipFill>
+          <a:blip r:embed="rId2">
+            <a:extLst>
+              <a:ext uri="{28A0092B-C50C-407E-A947-70E740481C1C}">
+                <a14:useLocalDpi xmlns:a14="http://schemas.microsoft.com/office/drawing/2010/main" val="0"/>
+              </a:ext>
+            </a:extLst>
+          </a:blip>
+          <a:stretch>
+            <a:fillRect/>
+          </a:stretch>
+        </p:blipFill>
+        <p:spPr>
+          <a:xfrm>
+            <a:off x="1686842" y="1261242"/>
+            <a:ext cx="7447633" cy="4379940"/>
+          </a:xfrm>
+        </p:spPr>
+      </p:pic>
+      <p:sp>
+        <p:nvSpPr>
+          <p:cNvPr id="3" name="Title 2"/>
+          <p:cNvSpPr>
+            <a:spLocks noGrp="1"/>
+          </p:cNvSpPr>
+          <p:nvPr>
+            <p:ph type="title"/>
+          </p:nvPr>
+        </p:nvSpPr>
+        <p:spPr>
+          <a:xfrm>
+            <a:off x="609600" y="685800"/>
+            <a:ext cx="10972800" cy="575441"/>
+          </a:xfrm>
+        </p:spPr>
+        <p:txBody>
+          <a:bodyPr/>
+          <a:lstStyle/>
+          <a:p>
+            <a:r>
+              <a:rPr lang="en-US" dirty="0"/>
+              <a:t>1.2 ECMAScript</a:t>
+            </a:r>
+            <a:endParaRPr lang="en-US" dirty="0"/>
+          </a:p>
+        </p:txBody>
+      </p:sp>
+    </p:spTree>
+    <p:extLst>
+      <p:ext uri="{BB962C8B-B14F-4D97-AF65-F5344CB8AC3E}">
+        <p14:creationId xmlns:p14="http://schemas.microsoft.com/office/powerpoint/2010/main" val="238796407"/>
+      </p:ext>
+    </p:extLst>
+  </p:cSld>
+  <p:clrMapOvr>
+    <a:masterClrMapping/>
+  </p:clrMapOvr>
+  <mc:AlternateContent xmlns:mc="http://schemas.openxmlformats.org/markup-compatibility/2006" xmlns:p14="http://schemas.microsoft.com/office/powerpoint/2010/main">
+    <mc:Choice Requires="p14">
+      <p:transition spd="med" p14:dur="700">
+        <p:fade/>
+      </p:transition>
+    </mc:Choice>
+    <mc:Fallback xmlns="">
+      <p:transition spd="med">
+        <p:fade/>
+      </p:transition>
+    </mc:Fallback>
+  </mc:AlternateContent>
+</p:sld>
+</file>
+
+<file path=ppt/slides/slide9.xml><?xml version="1.0" encoding="utf-8"?>
+<p:sld xmlns:a="http://schemas.openxmlformats.org/drawingml/2006/main" xmlns:r="http://schemas.openxmlformats.org/officeDocument/2006/relationships" xmlns:p="http://schemas.openxmlformats.org/presentationml/2006/main">
+  <p:cSld>
+    <p:spTree>
+      <p:nvGrpSpPr>
+        <p:cNvPr id="1" name=""/>
+        <p:cNvGrpSpPr/>
+        <p:nvPr/>
+      </p:nvGrpSpPr>
+      <p:grpSpPr>
+        <a:xfrm>
+          <a:off x="0" y="0"/>
+          <a:ext cx="0" cy="0"/>
+          <a:chOff x="0" y="0"/>
+          <a:chExt cx="0" cy="0"/>
+        </a:xfrm>
+      </p:grpSpPr>
+      <p:sp>
+        <p:nvSpPr>
+          <p:cNvPr id="3" name="Title 2"/>
+          <p:cNvSpPr>
+            <a:spLocks noGrp="1"/>
+          </p:cNvSpPr>
+          <p:nvPr>
+            <p:ph type="title"/>
+          </p:nvPr>
+        </p:nvSpPr>
+        <p:spPr>
+          <a:xfrm>
+            <a:off x="609600" y="685800"/>
+            <a:ext cx="10972800" cy="623993"/>
+          </a:xfrm>
+        </p:spPr>
+        <p:txBody>
+          <a:bodyPr/>
+          <a:lstStyle/>
+          <a:p>
+            <a:r>
+              <a:rPr lang="en-US" dirty="0"/>
+              <a:t>1.2 </a:t>
+            </a:r>
+            <a:r>
+              <a:rPr lang="en-US" dirty="0"/>
+              <a:t>ECMAScript</a:t>
+            </a:r>
+            <a:endParaRPr lang="en-US" dirty="0"/>
+          </a:p>
+        </p:txBody>
+      </p:sp>
+      <p:sp>
+        <p:nvSpPr>
+          <p:cNvPr id="12" name="TextBox 11"/>
+          <p:cNvSpPr txBox="1"/>
+          <p:nvPr/>
+        </p:nvSpPr>
+        <p:spPr>
+          <a:xfrm>
+            <a:off x="4559818" y="5765719"/>
+            <a:ext cx="2754280" cy="307777"/>
+          </a:xfrm>
+          <a:prstGeom prst="rect">
+            <a:avLst/>
+          </a:prstGeom>
+          <a:noFill/>
+        </p:spPr>
+        <p:txBody>
+          <a:bodyPr wrap="none" rtlCol="0">
+            <a:spAutoFit/>
+          </a:bodyPr>
+          <a:lstStyle/>
+          <a:p>
+            <a:pPr algn="ctr"/>
+            <a:r>
+              <a:rPr lang="en-US" sz="1400" dirty="0"/>
+              <a:t>Figure 4 – </a:t>
+            </a:r>
+            <a:r>
+              <a:rPr lang="en-US" sz="1400" dirty="0"/>
+              <a:t>ECMAScript Editions</a:t>
+            </a:r>
+            <a:r>
+              <a:rPr lang="en-US" sz="1400" dirty="0"/>
+              <a:t> </a:t>
+            </a:r>
+          </a:p>
+        </p:txBody>
+      </p:sp>
+      <p:pic>
+        <p:nvPicPr>
+          <p:cNvPr id="15" name="Content Placeholder 14"/>
+          <p:cNvPicPr>
+            <a:picLocks noGrp="1" noChangeAspect="1"/>
+          </p:cNvPicPr>
+          <p:nvPr>
+            <p:ph idx="1"/>
+          </p:nvPr>
+        </p:nvPicPr>
+        <p:blipFill>
+          <a:blip r:embed="rId2">
+            <a:extLst>
+              <a:ext uri="{28A0092B-C50C-407E-A947-70E740481C1C}">
+                <a14:useLocalDpi xmlns:a14="http://schemas.microsoft.com/office/drawing/2010/main" val="0"/>
+              </a:ext>
+            </a:extLst>
+          </a:blip>
+          <a:stretch>
+            <a:fillRect/>
+          </a:stretch>
+        </p:blipFill>
+        <p:spPr>
+          <a:xfrm>
+            <a:off x="766457" y="1309793"/>
+            <a:ext cx="10659086" cy="4297362"/>
+          </a:xfrm>
+        </p:spPr>
+      </p:pic>
+    </p:spTree>
+    <p:extLst>
+      <p:ext uri="{BB962C8B-B14F-4D97-AF65-F5344CB8AC3E}">
+        <p14:creationId xmlns:p14="http://schemas.microsoft.com/office/powerpoint/2010/main" val="938360670"/>
       </p:ext>
     </p:extLst>
   </p:cSld>

--- a/Introduction TypeScript.pptx
+++ b/Introduction TypeScript.pptx
@@ -5,10 +5,10 @@
     <p:sldMasterId id="2147483683" r:id="rId1"/>
   </p:sldMasterIdLst>
   <p:notesMasterIdLst>
-    <p:notesMasterId r:id="rId35"/>
+    <p:notesMasterId r:id="rId38"/>
   </p:notesMasterIdLst>
   <p:handoutMasterIdLst>
-    <p:handoutMasterId r:id="rId36"/>
+    <p:handoutMasterId r:id="rId39"/>
   </p:handoutMasterIdLst>
   <p:sldIdLst>
     <p:sldId id="256" r:id="rId2"/>
@@ -44,6 +44,9 @@
     <p:sldId id="282" r:id="rId32"/>
     <p:sldId id="283" r:id="rId33"/>
     <p:sldId id="284" r:id="rId34"/>
+    <p:sldId id="290" r:id="rId35"/>
+    <p:sldId id="291" r:id="rId36"/>
+    <p:sldId id="292" r:id="rId37"/>
   </p:sldIdLst>
   <p:sldSz cx="12192000" cy="6858000"/>
   <p:notesSz cx="6858000" cy="9144000"/>
@@ -235,7 +238,7 @@
           <a:p>
             <a:fld id="{956191A4-CC6F-432C-A8EC-9267DA370417}" type="datetimeFigureOut">
               <a:rPr lang="en-US" smtClean="0"/>
-              <a:t>9/28/2017</a:t>
+              <a:t>9/29/2017</a:t>
             </a:fld>
             <a:endParaRPr lang="en-US"/>
           </a:p>
@@ -404,7 +407,7 @@
           <a:p>
             <a:fld id="{BB4321DD-93DF-4D85-9CD3-1D962580C935}" type="datetimeFigureOut">
               <a:rPr lang="en-US" smtClean="0"/>
-              <a:t>9/28/2017</a:t>
+              <a:t>9/29/2017</a:t>
             </a:fld>
             <a:endParaRPr lang="en-US"/>
           </a:p>
@@ -2253,7 +2256,7 @@
               <a:pPr>
                 <a:defRPr/>
               </a:pPr>
-              <a:t>September 28, 2017</a:t>
+              <a:t>September 29, 2017</a:t>
             </a:fld>
             <a:endParaRPr lang="en-US" sz="1000" dirty="0">
               <a:solidFill>
@@ -3509,7 +3512,7 @@
                   <a:spcPts val="0"/>
                 </a:spcBef>
               </a:pPr>
-              <a:t>September 28, 2017</a:t>
+              <a:t>September 29, 2017</a:t>
             </a:fld>
             <a:endParaRPr lang="en-US" sz="800" b="0" dirty="0">
               <a:solidFill>
@@ -5816,7 +5819,7 @@
               <a:pPr>
                 <a:defRPr/>
               </a:pPr>
-              <a:t>September 28, 2017</a:t>
+              <a:t>September 29, 2017</a:t>
             </a:fld>
             <a:endParaRPr lang="en-US" sz="1000" dirty="0"/>
           </a:p>
@@ -7515,7 +7518,7 @@
               <a:pPr algn="l">
                 <a:defRPr/>
               </a:pPr>
-              <a:t>September 28, 2017</a:t>
+              <a:t>September 29, 2017</a:t>
             </a:fld>
             <a:endParaRPr lang="en-US" sz="1000" dirty="0"/>
           </a:p>
@@ -9917,7 +9920,7 @@
                   <a:spcPts val="0"/>
                 </a:spcBef>
               </a:pPr>
-              <a:t>September 28, 2017</a:t>
+              <a:t>September 29, 2017</a:t>
             </a:fld>
             <a:endParaRPr lang="en-US" sz="800" b="0" dirty="0">
               <a:solidFill>
@@ -11271,11 +11274,7 @@
             <a:pPr algn="ctr"/>
             <a:r>
               <a:rPr lang="en-US" sz="1400" dirty="0"/>
-              <a:t>Figure </a:t>
-            </a:r>
-            <a:r>
-              <a:rPr lang="en-US" sz="1400" dirty="0"/>
-              <a:t>6</a:t>
+              <a:t>Figure 6</a:t>
             </a:r>
             <a:r>
               <a:rPr lang="en-US" sz="1400" dirty="0" smtClean="0"/>
@@ -12492,11 +12491,7 @@
           <a:p>
             <a:r>
               <a:rPr lang="en-US" dirty="0"/>
-              <a:t>4.1 </a:t>
-            </a:r>
-            <a:r>
-              <a:rPr lang="en-US" dirty="0"/>
-              <a:t>Variable </a:t>
+              <a:t>4.1 Variable </a:t>
             </a:r>
             <a:r>
               <a:rPr lang="en-US" dirty="0" smtClean="0"/>
@@ -13594,7 +13589,6 @@
               <a:rPr lang="en-US" sz="1400" dirty="0"/>
               <a:t> hello = "Hello!";</a:t>
             </a:r>
-            <a:endParaRPr lang="en-US" sz="1400" dirty="0"/>
           </a:p>
         </p:txBody>
       </p:sp>
@@ -22701,6 +22695,865 @@
       </p:par>
     </p:tnLst>
   </p:timing>
+</p:sld>
+</file>
+
+<file path=ppt/slides/slide34.xml><?xml version="1.0" encoding="utf-8"?>
+<p:sld xmlns:a="http://schemas.openxmlformats.org/drawingml/2006/main" xmlns:r="http://schemas.openxmlformats.org/officeDocument/2006/relationships" xmlns:p="http://schemas.openxmlformats.org/presentationml/2006/main">
+  <p:cSld>
+    <p:spTree>
+      <p:nvGrpSpPr>
+        <p:cNvPr id="1" name=""/>
+        <p:cNvGrpSpPr/>
+        <p:nvPr/>
+      </p:nvGrpSpPr>
+      <p:grpSpPr>
+        <a:xfrm>
+          <a:off x="0" y="0"/>
+          <a:ext cx="0" cy="0"/>
+          <a:chOff x="0" y="0"/>
+          <a:chExt cx="0" cy="0"/>
+        </a:xfrm>
+      </p:grpSpPr>
+      <p:sp>
+        <p:nvSpPr>
+          <p:cNvPr id="3" name="Title 2"/>
+          <p:cNvSpPr>
+            <a:spLocks noGrp="1"/>
+          </p:cNvSpPr>
+          <p:nvPr>
+            <p:ph type="title"/>
+          </p:nvPr>
+        </p:nvSpPr>
+        <p:spPr>
+          <a:xfrm>
+            <a:off x="609600" y="685800"/>
+            <a:ext cx="10972800" cy="457200"/>
+          </a:xfrm>
+        </p:spPr>
+        <p:txBody>
+          <a:bodyPr/>
+          <a:lstStyle/>
+          <a:p>
+            <a:r>
+              <a:rPr lang="en-US" dirty="0"/>
+              <a:t>5</a:t>
+            </a:r>
+            <a:r>
+              <a:rPr lang="en-US" dirty="0"/>
+              <a:t>. What can we do with </a:t>
+            </a:r>
+            <a:r>
+              <a:rPr lang="en-US" dirty="0" err="1"/>
+              <a:t>TypeScript</a:t>
+            </a:r>
+            <a:r>
+              <a:rPr lang="en-US" dirty="0"/>
+              <a:t> 2.5?</a:t>
+            </a:r>
+            <a:endParaRPr lang="en-US" dirty="0"/>
+          </a:p>
+        </p:txBody>
+      </p:sp>
+      <p:sp>
+        <p:nvSpPr>
+          <p:cNvPr id="4" name="Content Placeholder 3"/>
+          <p:cNvSpPr>
+            <a:spLocks noGrp="1"/>
+          </p:cNvSpPr>
+          <p:nvPr>
+            <p:ph idx="1"/>
+          </p:nvPr>
+        </p:nvSpPr>
+        <p:spPr>
+          <a:xfrm>
+            <a:off x="609600" y="1143000"/>
+            <a:ext cx="10972800" cy="25350241"/>
+          </a:xfrm>
+        </p:spPr>
+        <p:txBody>
+          <a:bodyPr>
+            <a:normAutofit/>
+          </a:bodyPr>
+          <a:lstStyle/>
+          <a:p>
+            <a:endParaRPr lang="en-US" altLang="en-US" sz="1400" b="0" dirty="0" smtClean="0">
+              <a:solidFill>
+                <a:srgbClr val="24292E"/>
+              </a:solidFill>
+              <a:latin typeface="SFMono-Regular"/>
+            </a:endParaRPr>
+          </a:p>
+          <a:p>
+            <a:r>
+              <a:rPr lang="en-US" altLang="en-US" sz="1200" b="0" dirty="0"/>
+              <a:t/>
+            </a:r>
+            <a:br>
+              <a:rPr lang="en-US" altLang="en-US" sz="1200" b="0" dirty="0"/>
+            </a:br>
+            <a:endParaRPr lang="en-US" altLang="en-US" sz="3600" b="0" dirty="0">
+              <a:latin typeface="Arial" panose="020B0604020202020204" pitchFamily="34" charset="0"/>
+            </a:endParaRPr>
+          </a:p>
+          <a:p>
+            <a:endParaRPr lang="en-US" sz="1400" dirty="0" smtClean="0"/>
+          </a:p>
+          <a:p>
+            <a:endParaRPr lang="en-US" sz="1400" dirty="0"/>
+          </a:p>
+          <a:p>
+            <a:endParaRPr lang="en-US" sz="1400" b="0" dirty="0"/>
+          </a:p>
+          <a:p>
+            <a:endParaRPr lang="en-US" dirty="0"/>
+          </a:p>
+        </p:txBody>
+      </p:sp>
+      <p:sp>
+        <p:nvSpPr>
+          <p:cNvPr id="2" name="Rectangle 1"/>
+          <p:cNvSpPr>
+            <a:spLocks noChangeArrowheads="1"/>
+          </p:cNvSpPr>
+          <p:nvPr/>
+        </p:nvSpPr>
+        <p:spPr bwMode="auto">
+          <a:xfrm>
+            <a:off x="0" y="90100"/>
+            <a:ext cx="65" cy="276999"/>
+          </a:xfrm>
+          <a:prstGeom prst="rect">
+            <a:avLst/>
+          </a:prstGeom>
+          <a:solidFill>
+            <a:srgbClr val="F6F8FA"/>
+          </a:solidFill>
+          <a:ln>
+            <a:noFill/>
+          </a:ln>
+          <a:effectLst/>
+          <a:extLst>
+            <a:ext uri="{91240B29-F687-4F45-9708-019B960494DF}">
+              <a14:hiddenLine xmlns:a14="http://schemas.microsoft.com/office/drawing/2010/main" w="9525">
+                <a:solidFill>
+                  <a:schemeClr val="tx1"/>
+                </a:solidFill>
+                <a:miter lim="800000"/>
+                <a:headEnd/>
+                <a:tailEnd/>
+              </a14:hiddenLine>
+            </a:ext>
+            <a:ext uri="{AF507438-7753-43E0-B8FC-AC1667EBCBE1}">
+              <a14:hiddenEffects xmlns:a14="http://schemas.microsoft.com/office/drawing/2010/main">
+                <a:effectLst>
+                  <a:outerShdw dist="35921" dir="2700000" algn="ctr" rotWithShape="0">
+                    <a:schemeClr val="bg2"/>
+                  </a:outerShdw>
+                </a:effectLst>
+              </a14:hiddenEffects>
+            </a:ext>
+          </a:extLst>
+        </p:spPr>
+        <p:txBody>
+          <a:bodyPr vert="horz" wrap="none" lIns="0" tIns="0" rIns="0" bIns="0" numCol="1" anchor="ctr" anchorCtr="0" compatLnSpc="1">
+            <a:prstTxWarp prst="textNoShape">
+              <a:avLst/>
+            </a:prstTxWarp>
+            <a:spAutoFit/>
+          </a:bodyPr>
+          <a:lstStyle>
+            <a:lvl1pPr eaLnBrk="0" fontAlgn="base" hangingPunct="0">
+              <a:spcBef>
+                <a:spcPct val="0"/>
+              </a:spcBef>
+              <a:spcAft>
+                <a:spcPct val="0"/>
+              </a:spcAft>
+              <a:defRPr>
+                <a:solidFill>
+                  <a:schemeClr val="tx1"/>
+                </a:solidFill>
+                <a:latin typeface="Arial" panose="020B0604020202020204" pitchFamily="34" charset="0"/>
+              </a:defRPr>
+            </a:lvl1pPr>
+            <a:lvl2pPr eaLnBrk="0" fontAlgn="base" hangingPunct="0">
+              <a:spcBef>
+                <a:spcPct val="0"/>
+              </a:spcBef>
+              <a:spcAft>
+                <a:spcPct val="0"/>
+              </a:spcAft>
+              <a:defRPr>
+                <a:solidFill>
+                  <a:schemeClr val="tx1"/>
+                </a:solidFill>
+                <a:latin typeface="Arial" panose="020B0604020202020204" pitchFamily="34" charset="0"/>
+              </a:defRPr>
+            </a:lvl2pPr>
+            <a:lvl3pPr eaLnBrk="0" fontAlgn="base" hangingPunct="0">
+              <a:spcBef>
+                <a:spcPct val="0"/>
+              </a:spcBef>
+              <a:spcAft>
+                <a:spcPct val="0"/>
+              </a:spcAft>
+              <a:defRPr>
+                <a:solidFill>
+                  <a:schemeClr val="tx1"/>
+                </a:solidFill>
+                <a:latin typeface="Arial" panose="020B0604020202020204" pitchFamily="34" charset="0"/>
+              </a:defRPr>
+            </a:lvl3pPr>
+            <a:lvl4pPr eaLnBrk="0" fontAlgn="base" hangingPunct="0">
+              <a:spcBef>
+                <a:spcPct val="0"/>
+              </a:spcBef>
+              <a:spcAft>
+                <a:spcPct val="0"/>
+              </a:spcAft>
+              <a:defRPr>
+                <a:solidFill>
+                  <a:schemeClr val="tx1"/>
+                </a:solidFill>
+                <a:latin typeface="Arial" panose="020B0604020202020204" pitchFamily="34" charset="0"/>
+              </a:defRPr>
+            </a:lvl4pPr>
+            <a:lvl5pPr eaLnBrk="0" fontAlgn="base" hangingPunct="0">
+              <a:spcBef>
+                <a:spcPct val="0"/>
+              </a:spcBef>
+              <a:spcAft>
+                <a:spcPct val="0"/>
+              </a:spcAft>
+              <a:defRPr>
+                <a:solidFill>
+                  <a:schemeClr val="tx1"/>
+                </a:solidFill>
+                <a:latin typeface="Arial" panose="020B0604020202020204" pitchFamily="34" charset="0"/>
+              </a:defRPr>
+            </a:lvl5pPr>
+            <a:lvl6pPr eaLnBrk="0" fontAlgn="base" hangingPunct="0">
+              <a:spcBef>
+                <a:spcPct val="0"/>
+              </a:spcBef>
+              <a:spcAft>
+                <a:spcPct val="0"/>
+              </a:spcAft>
+              <a:defRPr>
+                <a:solidFill>
+                  <a:schemeClr val="tx1"/>
+                </a:solidFill>
+                <a:latin typeface="Arial" panose="020B0604020202020204" pitchFamily="34" charset="0"/>
+              </a:defRPr>
+            </a:lvl6pPr>
+            <a:lvl7pPr eaLnBrk="0" fontAlgn="base" hangingPunct="0">
+              <a:spcBef>
+                <a:spcPct val="0"/>
+              </a:spcBef>
+              <a:spcAft>
+                <a:spcPct val="0"/>
+              </a:spcAft>
+              <a:defRPr>
+                <a:solidFill>
+                  <a:schemeClr val="tx1"/>
+                </a:solidFill>
+                <a:latin typeface="Arial" panose="020B0604020202020204" pitchFamily="34" charset="0"/>
+              </a:defRPr>
+            </a:lvl7pPr>
+            <a:lvl8pPr eaLnBrk="0" fontAlgn="base" hangingPunct="0">
+              <a:spcBef>
+                <a:spcPct val="0"/>
+              </a:spcBef>
+              <a:spcAft>
+                <a:spcPct val="0"/>
+              </a:spcAft>
+              <a:defRPr>
+                <a:solidFill>
+                  <a:schemeClr val="tx1"/>
+                </a:solidFill>
+                <a:latin typeface="Arial" panose="020B0604020202020204" pitchFamily="34" charset="0"/>
+              </a:defRPr>
+            </a:lvl8pPr>
+            <a:lvl9pPr eaLnBrk="0" fontAlgn="base" hangingPunct="0">
+              <a:spcBef>
+                <a:spcPct val="0"/>
+              </a:spcBef>
+              <a:spcAft>
+                <a:spcPct val="0"/>
+              </a:spcAft>
+              <a:defRPr>
+                <a:solidFill>
+                  <a:schemeClr val="tx1"/>
+                </a:solidFill>
+                <a:latin typeface="Arial" panose="020B0604020202020204" pitchFamily="34" charset="0"/>
+              </a:defRPr>
+            </a:lvl9pPr>
+          </a:lstStyle>
+          <a:p>
+            <a:pPr marL="0" marR="0" lvl="0" indent="0" algn="l" defTabSz="914400" rtl="0" eaLnBrk="0" fontAlgn="base" latinLnBrk="0" hangingPunct="0">
+              <a:lnSpc>
+                <a:spcPct val="100000"/>
+              </a:lnSpc>
+              <a:spcBef>
+                <a:spcPct val="0"/>
+              </a:spcBef>
+              <a:spcAft>
+                <a:spcPct val="0"/>
+              </a:spcAft>
+              <a:buClrTx/>
+              <a:buSzTx/>
+              <a:buFontTx/>
+              <a:buNone/>
+              <a:tabLst/>
+            </a:pPr>
+            <a:endParaRPr kumimoji="0" lang="en-US" altLang="en-US" sz="1800" b="0" i="0" u="none" strike="noStrike" cap="none" normalizeH="0" baseline="0" dirty="0" smtClean="0">
+              <a:ln>
+                <a:noFill/>
+              </a:ln>
+              <a:solidFill>
+                <a:schemeClr val="tx1"/>
+              </a:solidFill>
+              <a:effectLst/>
+              <a:latin typeface="Arial" panose="020B0604020202020204" pitchFamily="34" charset="0"/>
+            </a:endParaRPr>
+          </a:p>
+        </p:txBody>
+      </p:sp>
+      <p:pic>
+        <p:nvPicPr>
+          <p:cNvPr id="5" name="Picture 4"/>
+          <p:cNvPicPr>
+            <a:picLocks noChangeAspect="1"/>
+          </p:cNvPicPr>
+          <p:nvPr/>
+        </p:nvPicPr>
+        <p:blipFill>
+          <a:blip r:embed="rId2">
+            <a:extLst>
+              <a:ext uri="{28A0092B-C50C-407E-A947-70E740481C1C}">
+                <a14:useLocalDpi xmlns:a14="http://schemas.microsoft.com/office/drawing/2010/main" val="0"/>
+              </a:ext>
+            </a:extLst>
+          </a:blip>
+          <a:stretch>
+            <a:fillRect/>
+          </a:stretch>
+        </p:blipFill>
+        <p:spPr>
+          <a:xfrm>
+            <a:off x="895273" y="1143000"/>
+            <a:ext cx="3414056" cy="5028574"/>
+          </a:xfrm>
+          <a:prstGeom prst="rect">
+            <a:avLst/>
+          </a:prstGeom>
+        </p:spPr>
+      </p:pic>
+      <p:sp>
+        <p:nvSpPr>
+          <p:cNvPr id="6" name="TextBox 5"/>
+          <p:cNvSpPr txBox="1"/>
+          <p:nvPr/>
+        </p:nvSpPr>
+        <p:spPr>
+          <a:xfrm>
+            <a:off x="4911250" y="2256636"/>
+            <a:ext cx="5912901" cy="646331"/>
+          </a:xfrm>
+          <a:prstGeom prst="rect">
+            <a:avLst/>
+          </a:prstGeom>
+          <a:noFill/>
+        </p:spPr>
+        <p:txBody>
+          <a:bodyPr wrap="none" rtlCol="0">
+            <a:spAutoFit/>
+          </a:bodyPr>
+          <a:lstStyle/>
+          <a:p>
+            <a:r>
+              <a:rPr lang="en-US" dirty="0" smtClean="0"/>
+              <a:t>List of framework/ server-side which are use </a:t>
+            </a:r>
+            <a:r>
+              <a:rPr lang="en-US" dirty="0" err="1" smtClean="0"/>
+              <a:t>TypeScript</a:t>
+            </a:r>
+            <a:r>
+              <a:rPr lang="en-US" dirty="0" smtClean="0"/>
+              <a:t> </a:t>
+            </a:r>
+          </a:p>
+          <a:p>
+            <a:r>
+              <a:rPr lang="en-US" dirty="0" smtClean="0"/>
+              <a:t>as programming language (</a:t>
+            </a:r>
+            <a:r>
+              <a:rPr lang="en-US" dirty="0" smtClean="0">
+                <a:hlinkClick r:id="rId3"/>
+              </a:rPr>
+              <a:t>Refer</a:t>
+            </a:r>
+            <a:r>
+              <a:rPr lang="en-US" dirty="0" smtClean="0"/>
+              <a:t>)</a:t>
+            </a:r>
+            <a:endParaRPr lang="en-US" dirty="0"/>
+          </a:p>
+        </p:txBody>
+      </p:sp>
+    </p:spTree>
+    <p:extLst>
+      <p:ext uri="{BB962C8B-B14F-4D97-AF65-F5344CB8AC3E}">
+        <p14:creationId xmlns:p14="http://schemas.microsoft.com/office/powerpoint/2010/main" val="3664499199"/>
+      </p:ext>
+    </p:extLst>
+  </p:cSld>
+  <p:clrMapOvr>
+    <a:masterClrMapping/>
+  </p:clrMapOvr>
+  <mc:AlternateContent xmlns:mc="http://schemas.openxmlformats.org/markup-compatibility/2006" xmlns:p14="http://schemas.microsoft.com/office/powerpoint/2010/main">
+    <mc:Choice Requires="p14">
+      <p:transition spd="med" p14:dur="700">
+        <p:fade/>
+      </p:transition>
+    </mc:Choice>
+    <mc:Fallback xmlns="">
+      <p:transition spd="med">
+        <p:fade/>
+      </p:transition>
+    </mc:Fallback>
+  </mc:AlternateContent>
+  <p:timing>
+    <p:tnLst>
+      <p:par>
+        <p:cTn id="1" dur="indefinite" restart="never" nodeType="tmRoot"/>
+      </p:par>
+    </p:tnLst>
+  </p:timing>
+</p:sld>
+</file>
+
+<file path=ppt/slides/slide35.xml><?xml version="1.0" encoding="utf-8"?>
+<p:sld xmlns:a="http://schemas.openxmlformats.org/drawingml/2006/main" xmlns:r="http://schemas.openxmlformats.org/officeDocument/2006/relationships" xmlns:p="http://schemas.openxmlformats.org/presentationml/2006/main">
+  <p:cSld>
+    <p:spTree>
+      <p:nvGrpSpPr>
+        <p:cNvPr id="1" name=""/>
+        <p:cNvGrpSpPr/>
+        <p:nvPr/>
+      </p:nvGrpSpPr>
+      <p:grpSpPr>
+        <a:xfrm>
+          <a:off x="0" y="0"/>
+          <a:ext cx="0" cy="0"/>
+          <a:chOff x="0" y="0"/>
+          <a:chExt cx="0" cy="0"/>
+        </a:xfrm>
+      </p:grpSpPr>
+      <p:sp>
+        <p:nvSpPr>
+          <p:cNvPr id="3" name="Title 2"/>
+          <p:cNvSpPr>
+            <a:spLocks noGrp="1"/>
+          </p:cNvSpPr>
+          <p:nvPr>
+            <p:ph type="title"/>
+          </p:nvPr>
+        </p:nvSpPr>
+        <p:spPr>
+          <a:xfrm>
+            <a:off x="4838700" y="2769577"/>
+            <a:ext cx="2933700" cy="457200"/>
+          </a:xfrm>
+        </p:spPr>
+        <p:txBody>
+          <a:bodyPr/>
+          <a:lstStyle/>
+          <a:p>
+            <a:r>
+              <a:rPr lang="en-US" dirty="0"/>
+              <a:t>6</a:t>
+            </a:r>
+            <a:r>
+              <a:rPr lang="en-US" dirty="0" smtClean="0"/>
+              <a:t>. Demo</a:t>
+            </a:r>
+            <a:endParaRPr lang="en-US" dirty="0"/>
+          </a:p>
+        </p:txBody>
+      </p:sp>
+      <p:sp>
+        <p:nvSpPr>
+          <p:cNvPr id="4" name="Content Placeholder 3"/>
+          <p:cNvSpPr>
+            <a:spLocks noGrp="1"/>
+          </p:cNvSpPr>
+          <p:nvPr>
+            <p:ph idx="1"/>
+          </p:nvPr>
+        </p:nvSpPr>
+        <p:spPr>
+          <a:xfrm>
+            <a:off x="609600" y="1143000"/>
+            <a:ext cx="10972800" cy="25350241"/>
+          </a:xfrm>
+        </p:spPr>
+        <p:txBody>
+          <a:bodyPr>
+            <a:normAutofit/>
+          </a:bodyPr>
+          <a:lstStyle/>
+          <a:p>
+            <a:endParaRPr lang="en-US" altLang="en-US" sz="1400" b="0" dirty="0" smtClean="0">
+              <a:solidFill>
+                <a:srgbClr val="24292E"/>
+              </a:solidFill>
+              <a:latin typeface="SFMono-Regular"/>
+            </a:endParaRPr>
+          </a:p>
+          <a:p>
+            <a:r>
+              <a:rPr lang="en-US" altLang="en-US" sz="1200" b="0" dirty="0"/>
+              <a:t/>
+            </a:r>
+            <a:br>
+              <a:rPr lang="en-US" altLang="en-US" sz="1200" b="0" dirty="0"/>
+            </a:br>
+            <a:endParaRPr lang="en-US" altLang="en-US" sz="3600" b="0" dirty="0">
+              <a:latin typeface="Arial" panose="020B0604020202020204" pitchFamily="34" charset="0"/>
+            </a:endParaRPr>
+          </a:p>
+          <a:p>
+            <a:endParaRPr lang="en-US" sz="1400" dirty="0" smtClean="0"/>
+          </a:p>
+          <a:p>
+            <a:endParaRPr lang="en-US" sz="1400" dirty="0"/>
+          </a:p>
+          <a:p>
+            <a:endParaRPr lang="en-US" sz="1400" b="0" dirty="0"/>
+          </a:p>
+          <a:p>
+            <a:endParaRPr lang="en-US" dirty="0"/>
+          </a:p>
+        </p:txBody>
+      </p:sp>
+      <p:sp>
+        <p:nvSpPr>
+          <p:cNvPr id="2" name="Rectangle 1"/>
+          <p:cNvSpPr>
+            <a:spLocks noChangeArrowheads="1"/>
+          </p:cNvSpPr>
+          <p:nvPr/>
+        </p:nvSpPr>
+        <p:spPr bwMode="auto">
+          <a:xfrm>
+            <a:off x="0" y="90100"/>
+            <a:ext cx="65" cy="276999"/>
+          </a:xfrm>
+          <a:prstGeom prst="rect">
+            <a:avLst/>
+          </a:prstGeom>
+          <a:solidFill>
+            <a:srgbClr val="F6F8FA"/>
+          </a:solidFill>
+          <a:ln>
+            <a:noFill/>
+          </a:ln>
+          <a:effectLst/>
+          <a:extLst>
+            <a:ext uri="{91240B29-F687-4F45-9708-019B960494DF}">
+              <a14:hiddenLine xmlns:a14="http://schemas.microsoft.com/office/drawing/2010/main" w="9525">
+                <a:solidFill>
+                  <a:schemeClr val="tx1"/>
+                </a:solidFill>
+                <a:miter lim="800000"/>
+                <a:headEnd/>
+                <a:tailEnd/>
+              </a14:hiddenLine>
+            </a:ext>
+            <a:ext uri="{AF507438-7753-43E0-B8FC-AC1667EBCBE1}">
+              <a14:hiddenEffects xmlns:a14="http://schemas.microsoft.com/office/drawing/2010/main">
+                <a:effectLst>
+                  <a:outerShdw dist="35921" dir="2700000" algn="ctr" rotWithShape="0">
+                    <a:schemeClr val="bg2"/>
+                  </a:outerShdw>
+                </a:effectLst>
+              </a14:hiddenEffects>
+            </a:ext>
+          </a:extLst>
+        </p:spPr>
+        <p:txBody>
+          <a:bodyPr vert="horz" wrap="none" lIns="0" tIns="0" rIns="0" bIns="0" numCol="1" anchor="ctr" anchorCtr="0" compatLnSpc="1">
+            <a:prstTxWarp prst="textNoShape">
+              <a:avLst/>
+            </a:prstTxWarp>
+            <a:spAutoFit/>
+          </a:bodyPr>
+          <a:lstStyle>
+            <a:lvl1pPr eaLnBrk="0" fontAlgn="base" hangingPunct="0">
+              <a:spcBef>
+                <a:spcPct val="0"/>
+              </a:spcBef>
+              <a:spcAft>
+                <a:spcPct val="0"/>
+              </a:spcAft>
+              <a:defRPr>
+                <a:solidFill>
+                  <a:schemeClr val="tx1"/>
+                </a:solidFill>
+                <a:latin typeface="Arial" panose="020B0604020202020204" pitchFamily="34" charset="0"/>
+              </a:defRPr>
+            </a:lvl1pPr>
+            <a:lvl2pPr eaLnBrk="0" fontAlgn="base" hangingPunct="0">
+              <a:spcBef>
+                <a:spcPct val="0"/>
+              </a:spcBef>
+              <a:spcAft>
+                <a:spcPct val="0"/>
+              </a:spcAft>
+              <a:defRPr>
+                <a:solidFill>
+                  <a:schemeClr val="tx1"/>
+                </a:solidFill>
+                <a:latin typeface="Arial" panose="020B0604020202020204" pitchFamily="34" charset="0"/>
+              </a:defRPr>
+            </a:lvl2pPr>
+            <a:lvl3pPr eaLnBrk="0" fontAlgn="base" hangingPunct="0">
+              <a:spcBef>
+                <a:spcPct val="0"/>
+              </a:spcBef>
+              <a:spcAft>
+                <a:spcPct val="0"/>
+              </a:spcAft>
+              <a:defRPr>
+                <a:solidFill>
+                  <a:schemeClr val="tx1"/>
+                </a:solidFill>
+                <a:latin typeface="Arial" panose="020B0604020202020204" pitchFamily="34" charset="0"/>
+              </a:defRPr>
+            </a:lvl3pPr>
+            <a:lvl4pPr eaLnBrk="0" fontAlgn="base" hangingPunct="0">
+              <a:spcBef>
+                <a:spcPct val="0"/>
+              </a:spcBef>
+              <a:spcAft>
+                <a:spcPct val="0"/>
+              </a:spcAft>
+              <a:defRPr>
+                <a:solidFill>
+                  <a:schemeClr val="tx1"/>
+                </a:solidFill>
+                <a:latin typeface="Arial" panose="020B0604020202020204" pitchFamily="34" charset="0"/>
+              </a:defRPr>
+            </a:lvl4pPr>
+            <a:lvl5pPr eaLnBrk="0" fontAlgn="base" hangingPunct="0">
+              <a:spcBef>
+                <a:spcPct val="0"/>
+              </a:spcBef>
+              <a:spcAft>
+                <a:spcPct val="0"/>
+              </a:spcAft>
+              <a:defRPr>
+                <a:solidFill>
+                  <a:schemeClr val="tx1"/>
+                </a:solidFill>
+                <a:latin typeface="Arial" panose="020B0604020202020204" pitchFamily="34" charset="0"/>
+              </a:defRPr>
+            </a:lvl5pPr>
+            <a:lvl6pPr eaLnBrk="0" fontAlgn="base" hangingPunct="0">
+              <a:spcBef>
+                <a:spcPct val="0"/>
+              </a:spcBef>
+              <a:spcAft>
+                <a:spcPct val="0"/>
+              </a:spcAft>
+              <a:defRPr>
+                <a:solidFill>
+                  <a:schemeClr val="tx1"/>
+                </a:solidFill>
+                <a:latin typeface="Arial" panose="020B0604020202020204" pitchFamily="34" charset="0"/>
+              </a:defRPr>
+            </a:lvl6pPr>
+            <a:lvl7pPr eaLnBrk="0" fontAlgn="base" hangingPunct="0">
+              <a:spcBef>
+                <a:spcPct val="0"/>
+              </a:spcBef>
+              <a:spcAft>
+                <a:spcPct val="0"/>
+              </a:spcAft>
+              <a:defRPr>
+                <a:solidFill>
+                  <a:schemeClr val="tx1"/>
+                </a:solidFill>
+                <a:latin typeface="Arial" panose="020B0604020202020204" pitchFamily="34" charset="0"/>
+              </a:defRPr>
+            </a:lvl7pPr>
+            <a:lvl8pPr eaLnBrk="0" fontAlgn="base" hangingPunct="0">
+              <a:spcBef>
+                <a:spcPct val="0"/>
+              </a:spcBef>
+              <a:spcAft>
+                <a:spcPct val="0"/>
+              </a:spcAft>
+              <a:defRPr>
+                <a:solidFill>
+                  <a:schemeClr val="tx1"/>
+                </a:solidFill>
+                <a:latin typeface="Arial" panose="020B0604020202020204" pitchFamily="34" charset="0"/>
+              </a:defRPr>
+            </a:lvl8pPr>
+            <a:lvl9pPr eaLnBrk="0" fontAlgn="base" hangingPunct="0">
+              <a:spcBef>
+                <a:spcPct val="0"/>
+              </a:spcBef>
+              <a:spcAft>
+                <a:spcPct val="0"/>
+              </a:spcAft>
+              <a:defRPr>
+                <a:solidFill>
+                  <a:schemeClr val="tx1"/>
+                </a:solidFill>
+                <a:latin typeface="Arial" panose="020B0604020202020204" pitchFamily="34" charset="0"/>
+              </a:defRPr>
+            </a:lvl9pPr>
+          </a:lstStyle>
+          <a:p>
+            <a:pPr marL="0" marR="0" lvl="0" indent="0" algn="l" defTabSz="914400" rtl="0" eaLnBrk="0" fontAlgn="base" latinLnBrk="0" hangingPunct="0">
+              <a:lnSpc>
+                <a:spcPct val="100000"/>
+              </a:lnSpc>
+              <a:spcBef>
+                <a:spcPct val="0"/>
+              </a:spcBef>
+              <a:spcAft>
+                <a:spcPct val="0"/>
+              </a:spcAft>
+              <a:buClrTx/>
+              <a:buSzTx/>
+              <a:buFontTx/>
+              <a:buNone/>
+              <a:tabLst/>
+            </a:pPr>
+            <a:endParaRPr kumimoji="0" lang="en-US" altLang="en-US" sz="1800" b="0" i="0" u="none" strike="noStrike" cap="none" normalizeH="0" baseline="0" dirty="0" smtClean="0">
+              <a:ln>
+                <a:noFill/>
+              </a:ln>
+              <a:solidFill>
+                <a:schemeClr val="tx1"/>
+              </a:solidFill>
+              <a:effectLst/>
+              <a:latin typeface="Arial" panose="020B0604020202020204" pitchFamily="34" charset="0"/>
+            </a:endParaRPr>
+          </a:p>
+        </p:txBody>
+      </p:sp>
+    </p:spTree>
+    <p:extLst>
+      <p:ext uri="{BB962C8B-B14F-4D97-AF65-F5344CB8AC3E}">
+        <p14:creationId xmlns:p14="http://schemas.microsoft.com/office/powerpoint/2010/main" val="735453936"/>
+      </p:ext>
+    </p:extLst>
+  </p:cSld>
+  <p:clrMapOvr>
+    <a:masterClrMapping/>
+  </p:clrMapOvr>
+  <mc:AlternateContent xmlns:mc="http://schemas.openxmlformats.org/markup-compatibility/2006" xmlns:p14="http://schemas.microsoft.com/office/powerpoint/2010/main">
+    <mc:Choice Requires="p14">
+      <p:transition spd="med" p14:dur="700">
+        <p:fade/>
+      </p:transition>
+    </mc:Choice>
+    <mc:Fallback xmlns="">
+      <p:transition spd="med">
+        <p:fade/>
+      </p:transition>
+    </mc:Fallback>
+  </mc:AlternateContent>
+  <p:timing>
+    <p:tnLst>
+      <p:par>
+        <p:cTn id="1" dur="indefinite" restart="never" nodeType="tmRoot"/>
+      </p:par>
+    </p:tnLst>
+  </p:timing>
+</p:sld>
+</file>
+
+<file path=ppt/slides/slide36.xml><?xml version="1.0" encoding="utf-8"?>
+<p:sld xmlns:a="http://schemas.openxmlformats.org/drawingml/2006/main" xmlns:r="http://schemas.openxmlformats.org/officeDocument/2006/relationships" xmlns:p="http://schemas.openxmlformats.org/presentationml/2006/main">
+  <p:cSld>
+    <p:spTree>
+      <p:nvGrpSpPr>
+        <p:cNvPr id="1" name=""/>
+        <p:cNvGrpSpPr/>
+        <p:nvPr/>
+      </p:nvGrpSpPr>
+      <p:grpSpPr>
+        <a:xfrm>
+          <a:off x="0" y="0"/>
+          <a:ext cx="0" cy="0"/>
+          <a:chOff x="0" y="0"/>
+          <a:chExt cx="0" cy="0"/>
+        </a:xfrm>
+      </p:grpSpPr>
+      <p:sp>
+        <p:nvSpPr>
+          <p:cNvPr id="2" name="Text Placeholder 1"/>
+          <p:cNvSpPr>
+            <a:spLocks noGrp="1"/>
+          </p:cNvSpPr>
+          <p:nvPr>
+            <p:ph type="body" sz="quarter" idx="13"/>
+          </p:nvPr>
+        </p:nvSpPr>
+        <p:spPr/>
+        <p:txBody>
+          <a:bodyPr/>
+          <a:lstStyle/>
+          <a:p>
+            <a:r>
+              <a:rPr lang="en-US" dirty="0" smtClean="0"/>
+              <a:t>Q&amp;A ???</a:t>
+            </a:r>
+          </a:p>
+          <a:p>
+            <a:endParaRPr lang="en-US" dirty="0"/>
+          </a:p>
+          <a:p>
+            <a:pPr algn="ctr"/>
+            <a:r>
+              <a:rPr lang="en-US" dirty="0" smtClean="0"/>
+              <a:t>Thank you!</a:t>
+            </a:r>
+            <a:endParaRPr lang="en-US" dirty="0"/>
+          </a:p>
+        </p:txBody>
+      </p:sp>
+    </p:spTree>
+    <p:extLst>
+      <p:ext uri="{BB962C8B-B14F-4D97-AF65-F5344CB8AC3E}">
+        <p14:creationId xmlns:p14="http://schemas.microsoft.com/office/powerpoint/2010/main" val="2191125450"/>
+      </p:ext>
+    </p:extLst>
+  </p:cSld>
+  <p:clrMapOvr>
+    <a:masterClrMapping/>
+  </p:clrMapOvr>
+  <mc:AlternateContent xmlns:mc="http://schemas.openxmlformats.org/markup-compatibility/2006" xmlns:p14="http://schemas.microsoft.com/office/powerpoint/2010/main">
+    <mc:Choice Requires="p14">
+      <p:transition spd="med" p14:dur="700">
+        <p:fade/>
+      </p:transition>
+    </mc:Choice>
+    <mc:Fallback xmlns="">
+      <p:transition spd="med">
+        <p:fade/>
+      </p:transition>
+    </mc:Fallback>
+  </mc:AlternateContent>
 </p:sld>
 </file>
 
